--- a/PowerPoints/Java Objects.pptx
+++ b/PowerPoints/Java Objects.pptx
@@ -27,6 +27,8 @@
     <p:sldId id="279" r:id="rId21"/>
     <p:sldId id="280" r:id="rId22"/>
     <p:sldId id="281" r:id="rId23"/>
+    <p:sldId id="282" r:id="rId24"/>
+    <p:sldId id="283" r:id="rId25"/>
   </p:sldIdLst>
   <p:sldSz cx="12192000" cy="6858000"/>
   <p:notesSz cx="6858000" cy="9144000"/>
@@ -125,6 +127,11 @@
       </a:defRPr>
     </a:lvl9pPr>
   </p:defaultTextStyle>
+  <p:extLst>
+    <p:ext uri="{EFAFB233-063F-42B5-8137-9DF3F51BA10A}">
+      <p15:sldGuideLst xmlns:p15="http://schemas.microsoft.com/office/powerpoint/2012/main"/>
+    </p:ext>
+  </p:extLst>
 </p:presentation>
 </file>
 
@@ -287,7 +294,7 @@
           <a:p>
             <a:fld id="{64F0E216-BA48-4F04-AC4F-645AA0DD6AC6}" type="datetimeFigureOut">
               <a:rPr lang="en-US" smtClean="0"/>
-              <a:t>10/11/21</a:t>
+              <a:t>10/19/21</a:t>
             </a:fld>
             <a:endParaRPr lang="en-US" dirty="0"/>
           </a:p>
@@ -1335,7 +1342,7 @@
           <a:p>
             <a:fld id="{64F0E216-BA48-4F04-AC4F-645AA0DD6AC6}" type="datetimeFigureOut">
               <a:rPr lang="en-US" smtClean="0"/>
-              <a:t>10/11/21</a:t>
+              <a:t>10/19/21</a:t>
             </a:fld>
             <a:endParaRPr lang="en-US"/>
           </a:p>
@@ -1571,7 +1578,7 @@
           <a:p>
             <a:fld id="{64F0E216-BA48-4F04-AC4F-645AA0DD6AC6}" type="datetimeFigureOut">
               <a:rPr lang="en-US" smtClean="0"/>
-              <a:t>10/11/21</a:t>
+              <a:t>10/19/21</a:t>
             </a:fld>
             <a:endParaRPr lang="en-US"/>
           </a:p>
@@ -1794,7 +1801,7 @@
           <a:p>
             <a:fld id="{64F0E216-BA48-4F04-AC4F-645AA0DD6AC6}" type="datetimeFigureOut">
               <a:rPr lang="en-US" smtClean="0"/>
-              <a:t>10/11/21</a:t>
+              <a:t>10/19/21</a:t>
             </a:fld>
             <a:endParaRPr lang="en-US"/>
           </a:p>
@@ -2096,7 +2103,7 @@
           <a:p>
             <a:fld id="{64F0E216-BA48-4F04-AC4F-645AA0DD6AC6}" type="datetimeFigureOut">
               <a:rPr lang="en-US" smtClean="0"/>
-              <a:t>10/11/21</a:t>
+              <a:t>10/19/21</a:t>
             </a:fld>
             <a:endParaRPr lang="en-US"/>
           </a:p>
@@ -3560,7 +3567,7 @@
           <a:p>
             <a:fld id="{64F0E216-BA48-4F04-AC4F-645AA0DD6AC6}" type="datetimeFigureOut">
               <a:rPr lang="en-US" smtClean="0"/>
-              <a:t>10/11/21</a:t>
+              <a:t>10/19/21</a:t>
             </a:fld>
             <a:endParaRPr lang="en-US"/>
           </a:p>
@@ -4027,7 +4034,7 @@
           <a:p>
             <a:fld id="{64F0E216-BA48-4F04-AC4F-645AA0DD6AC6}" type="datetimeFigureOut">
               <a:rPr lang="en-US" smtClean="0"/>
-              <a:t>10/11/21</a:t>
+              <a:t>10/19/21</a:t>
             </a:fld>
             <a:endParaRPr lang="en-US"/>
           </a:p>
@@ -4202,7 +4209,7 @@
           <a:p>
             <a:fld id="{64F0E216-BA48-4F04-AC4F-645AA0DD6AC6}" type="datetimeFigureOut">
               <a:rPr lang="en-US" smtClean="0"/>
-              <a:t>10/11/21</a:t>
+              <a:t>10/19/21</a:t>
             </a:fld>
             <a:endParaRPr lang="en-US"/>
           </a:p>
@@ -4339,7 +4346,7 @@
           <a:p>
             <a:fld id="{64F0E216-BA48-4F04-AC4F-645AA0DD6AC6}" type="datetimeFigureOut">
               <a:rPr lang="en-US" smtClean="0"/>
-              <a:t>10/11/21</a:t>
+              <a:t>10/19/21</a:t>
             </a:fld>
             <a:endParaRPr lang="en-US"/>
           </a:p>
@@ -4689,7 +4696,7 @@
           <a:p>
             <a:fld id="{64F0E216-BA48-4F04-AC4F-645AA0DD6AC6}" type="datetimeFigureOut">
               <a:rPr lang="en-US" smtClean="0"/>
-              <a:t>10/11/21</a:t>
+              <a:t>10/19/21</a:t>
             </a:fld>
             <a:endParaRPr lang="en-US"/>
           </a:p>
@@ -5010,7 +5017,7 @@
           <a:p>
             <a:fld id="{64F0E216-BA48-4F04-AC4F-645AA0DD6AC6}" type="datetimeFigureOut">
               <a:rPr lang="en-US" smtClean="0"/>
-              <a:t>10/11/21</a:t>
+              <a:t>10/19/21</a:t>
             </a:fld>
             <a:endParaRPr lang="en-US"/>
           </a:p>
@@ -5272,7 +5279,7 @@
             <a:fld id="{64F0E216-BA48-4F04-AC4F-645AA0DD6AC6}" type="datetimeFigureOut">
               <a:rPr lang="en-US" smtClean="0"/>
               <a:pPr/>
-              <a:t>10/11/21</a:t>
+              <a:t>10/19/21</a:t>
             </a:fld>
             <a:endParaRPr lang="en-US" dirty="0"/>
           </a:p>
@@ -14795,6 +14802,437 @@
 </p:sld>
 </file>
 
+<file path=ppt/slides/slide23.xml><?xml version="1.0" encoding="utf-8"?>
+<p:sld xmlns:a="http://schemas.openxmlformats.org/drawingml/2006/main" xmlns:r="http://schemas.openxmlformats.org/officeDocument/2006/relationships" xmlns:p="http://schemas.openxmlformats.org/presentationml/2006/main">
+  <p:cSld>
+    <p:spTree>
+      <p:nvGrpSpPr>
+        <p:cNvPr id="1" name=""/>
+        <p:cNvGrpSpPr/>
+        <p:nvPr/>
+      </p:nvGrpSpPr>
+      <p:grpSpPr>
+        <a:xfrm>
+          <a:off x="0" y="0"/>
+          <a:ext cx="0" cy="0"/>
+          <a:chOff x="0" y="0"/>
+          <a:chExt cx="0" cy="0"/>
+        </a:xfrm>
+      </p:grpSpPr>
+      <p:pic>
+        <p:nvPicPr>
+          <p:cNvPr id="6" name="Picture 5">
+            <a:extLst>
+              <a:ext uri="{FF2B5EF4-FFF2-40B4-BE49-F238E27FC236}">
+                <a16:creationId xmlns:a16="http://schemas.microsoft.com/office/drawing/2014/main" id="{9FD6F7FA-880D-F949-9161-194C53610E5B}"/>
+              </a:ext>
+            </a:extLst>
+          </p:cNvPr>
+          <p:cNvPicPr>
+            <a:picLocks noChangeAspect="1"/>
+          </p:cNvPicPr>
+          <p:nvPr/>
+        </p:nvPicPr>
+        <p:blipFill>
+          <a:blip r:embed="rId2"/>
+          <a:stretch>
+            <a:fillRect/>
+          </a:stretch>
+        </p:blipFill>
+        <p:spPr>
+          <a:xfrm>
+            <a:off x="5398873" y="0"/>
+            <a:ext cx="6793127" cy="6858000"/>
+          </a:xfrm>
+          <a:prstGeom prst="rect">
+            <a:avLst/>
+          </a:prstGeom>
+        </p:spPr>
+      </p:pic>
+      <p:sp>
+        <p:nvSpPr>
+          <p:cNvPr id="12" name="Title 4">
+            <a:extLst>
+              <a:ext uri="{FF2B5EF4-FFF2-40B4-BE49-F238E27FC236}">
+                <a16:creationId xmlns:a16="http://schemas.microsoft.com/office/drawing/2014/main" id="{14FD22B9-4F98-CA4C-9ABA-C8AA98A25295}"/>
+              </a:ext>
+            </a:extLst>
+          </p:cNvPr>
+          <p:cNvSpPr>
+            <a:spLocks noGrp="1"/>
+          </p:cNvSpPr>
+          <p:nvPr>
+            <p:ph type="title"/>
+          </p:nvPr>
+        </p:nvSpPr>
+        <p:spPr>
+          <a:xfrm>
+            <a:off x="385548" y="439737"/>
+            <a:ext cx="10026650" cy="1160463"/>
+          </a:xfrm>
+        </p:spPr>
+        <p:txBody>
+          <a:bodyPr>
+            <a:normAutofit/>
+          </a:bodyPr>
+          <a:lstStyle/>
+          <a:p>
+            <a:r>
+              <a:rPr lang="en-US" dirty="0"/>
+              <a:t>Inconsistencies</a:t>
+            </a:r>
+            <a:br>
+              <a:rPr lang="en-US" dirty="0"/>
+            </a:br>
+            <a:r>
+              <a:rPr lang="en-US" dirty="0"/>
+              <a:t>In Java</a:t>
+            </a:r>
+          </a:p>
+        </p:txBody>
+      </p:sp>
+    </p:spTree>
+    <p:extLst>
+      <p:ext uri="{BB962C8B-B14F-4D97-AF65-F5344CB8AC3E}">
+        <p14:creationId xmlns:p14="http://schemas.microsoft.com/office/powerpoint/2010/main" val="3130362136"/>
+      </p:ext>
+    </p:extLst>
+  </p:cSld>
+  <p:clrMapOvr>
+    <a:masterClrMapping/>
+  </p:clrMapOvr>
+</p:sld>
+</file>
+
+<file path=ppt/slides/slide24.xml><?xml version="1.0" encoding="utf-8"?>
+<p:sld xmlns:a="http://schemas.openxmlformats.org/drawingml/2006/main" xmlns:r="http://schemas.openxmlformats.org/officeDocument/2006/relationships" xmlns:p="http://schemas.openxmlformats.org/presentationml/2006/main">
+  <p:cSld>
+    <p:spTree>
+      <p:nvGrpSpPr>
+        <p:cNvPr id="1" name=""/>
+        <p:cNvGrpSpPr/>
+        <p:nvPr/>
+      </p:nvGrpSpPr>
+      <p:grpSpPr>
+        <a:xfrm>
+          <a:off x="0" y="0"/>
+          <a:ext cx="0" cy="0"/>
+          <a:chOff x="0" y="0"/>
+          <a:chExt cx="0" cy="0"/>
+        </a:xfrm>
+      </p:grpSpPr>
+      <p:pic>
+        <p:nvPicPr>
+          <p:cNvPr id="6" name="Picture 5">
+            <a:extLst>
+              <a:ext uri="{FF2B5EF4-FFF2-40B4-BE49-F238E27FC236}">
+                <a16:creationId xmlns:a16="http://schemas.microsoft.com/office/drawing/2014/main" id="{9FD6F7FA-880D-F949-9161-194C53610E5B}"/>
+              </a:ext>
+            </a:extLst>
+          </p:cNvPr>
+          <p:cNvPicPr>
+            <a:picLocks noChangeAspect="1"/>
+          </p:cNvPicPr>
+          <p:nvPr/>
+        </p:nvPicPr>
+        <p:blipFill>
+          <a:blip r:embed="rId2"/>
+          <a:stretch>
+            <a:fillRect/>
+          </a:stretch>
+        </p:blipFill>
+        <p:spPr>
+          <a:xfrm>
+            <a:off x="5398873" y="0"/>
+            <a:ext cx="6793127" cy="6858000"/>
+          </a:xfrm>
+          <a:prstGeom prst="rect">
+            <a:avLst/>
+          </a:prstGeom>
+        </p:spPr>
+      </p:pic>
+      <p:sp>
+        <p:nvSpPr>
+          <p:cNvPr id="12" name="Title 4">
+            <a:extLst>
+              <a:ext uri="{FF2B5EF4-FFF2-40B4-BE49-F238E27FC236}">
+                <a16:creationId xmlns:a16="http://schemas.microsoft.com/office/drawing/2014/main" id="{14FD22B9-4F98-CA4C-9ABA-C8AA98A25295}"/>
+              </a:ext>
+            </a:extLst>
+          </p:cNvPr>
+          <p:cNvSpPr>
+            <a:spLocks noGrp="1"/>
+          </p:cNvSpPr>
+          <p:nvPr>
+            <p:ph type="title"/>
+          </p:nvPr>
+        </p:nvSpPr>
+        <p:spPr>
+          <a:xfrm>
+            <a:off x="385548" y="439737"/>
+            <a:ext cx="10026650" cy="1160463"/>
+          </a:xfrm>
+        </p:spPr>
+        <p:txBody>
+          <a:bodyPr>
+            <a:normAutofit/>
+          </a:bodyPr>
+          <a:lstStyle/>
+          <a:p>
+            <a:r>
+              <a:rPr lang="en-US" dirty="0"/>
+              <a:t>Possible </a:t>
+            </a:r>
+            <a:br>
+              <a:rPr lang="en-US" dirty="0"/>
+            </a:br>
+            <a:r>
+              <a:rPr lang="en-US" dirty="0"/>
+              <a:t>Explanations</a:t>
+            </a:r>
+          </a:p>
+        </p:txBody>
+      </p:sp>
+      <p:sp>
+        <p:nvSpPr>
+          <p:cNvPr id="4" name="Down Arrow 3">
+            <a:extLst>
+              <a:ext uri="{FF2B5EF4-FFF2-40B4-BE49-F238E27FC236}">
+                <a16:creationId xmlns:a16="http://schemas.microsoft.com/office/drawing/2014/main" id="{30A4E176-34F1-9444-A75C-951092A5C9CB}"/>
+              </a:ext>
+            </a:extLst>
+          </p:cNvPr>
+          <p:cNvSpPr/>
+          <p:nvPr/>
+        </p:nvSpPr>
+        <p:spPr>
+          <a:xfrm rot="5400000">
+            <a:off x="7372350" y="1932781"/>
+            <a:ext cx="228600" cy="442913"/>
+          </a:xfrm>
+          <a:prstGeom prst="downArrow">
+            <a:avLst/>
+          </a:prstGeom>
+        </p:spPr>
+        <p:style>
+          <a:lnRef idx="2">
+            <a:schemeClr val="accent1">
+              <a:shade val="50000"/>
+            </a:schemeClr>
+          </a:lnRef>
+          <a:fillRef idx="1">
+            <a:schemeClr val="accent1"/>
+          </a:fillRef>
+          <a:effectRef idx="0">
+            <a:schemeClr val="accent1"/>
+          </a:effectRef>
+          <a:fontRef idx="minor">
+            <a:schemeClr val="lt1"/>
+          </a:fontRef>
+        </p:style>
+        <p:txBody>
+          <a:bodyPr rtlCol="0" anchor="ctr"/>
+          <a:lstStyle/>
+          <a:p>
+            <a:pPr algn="ctr"/>
+            <a:endParaRPr lang="en-US"/>
+          </a:p>
+        </p:txBody>
+      </p:sp>
+      <p:sp>
+        <p:nvSpPr>
+          <p:cNvPr id="5" name="TextBox 4">
+            <a:extLst>
+              <a:ext uri="{FF2B5EF4-FFF2-40B4-BE49-F238E27FC236}">
+                <a16:creationId xmlns:a16="http://schemas.microsoft.com/office/drawing/2014/main" id="{7892946A-E230-6E40-A1ED-0082601A058E}"/>
+              </a:ext>
+            </a:extLst>
+          </p:cNvPr>
+          <p:cNvSpPr txBox="1"/>
+          <p:nvPr/>
+        </p:nvSpPr>
+        <p:spPr>
+          <a:xfrm>
+            <a:off x="7893264" y="1716771"/>
+            <a:ext cx="3362325" cy="646331"/>
+          </a:xfrm>
+          <a:prstGeom prst="rect">
+            <a:avLst/>
+          </a:prstGeom>
+          <a:noFill/>
+        </p:spPr>
+        <p:txBody>
+          <a:bodyPr wrap="square" rtlCol="0">
+            <a:spAutoFit/>
+          </a:bodyPr>
+          <a:lstStyle/>
+          <a:p>
+            <a:r>
+              <a:rPr lang="en-US" b="1" dirty="0">
+                <a:solidFill>
+                  <a:srgbClr val="002291"/>
+                </a:solidFill>
+              </a:rPr>
+              <a:t>Syntactic Sugar equivalent to</a:t>
+            </a:r>
+          </a:p>
+          <a:p>
+            <a:r>
+              <a:rPr lang="en-US" dirty="0">
+                <a:solidFill>
+                  <a:schemeClr val="bg1"/>
+                </a:solidFill>
+              </a:rPr>
+              <a:t>int[] </a:t>
+            </a:r>
+            <a:r>
+              <a:rPr lang="en-US" dirty="0" err="1">
+                <a:solidFill>
+                  <a:schemeClr val="bg1"/>
+                </a:solidFill>
+              </a:rPr>
+              <a:t>arr</a:t>
+            </a:r>
+            <a:r>
+              <a:rPr lang="en-US" dirty="0">
+                <a:solidFill>
+                  <a:schemeClr val="bg1"/>
+                </a:solidFill>
+              </a:rPr>
+              <a:t> = new int[] {5,3,2,7,8}; </a:t>
+            </a:r>
+          </a:p>
+        </p:txBody>
+      </p:sp>
+      <p:sp>
+        <p:nvSpPr>
+          <p:cNvPr id="8" name="Down Arrow 7">
+            <a:extLst>
+              <a:ext uri="{FF2B5EF4-FFF2-40B4-BE49-F238E27FC236}">
+                <a16:creationId xmlns:a16="http://schemas.microsoft.com/office/drawing/2014/main" id="{7D2A5E50-D442-2444-8BEE-C0E8FCA9A1E7}"/>
+              </a:ext>
+            </a:extLst>
+          </p:cNvPr>
+          <p:cNvSpPr/>
+          <p:nvPr/>
+        </p:nvSpPr>
+        <p:spPr>
+          <a:xfrm rot="5400000">
+            <a:off x="7372349" y="6196807"/>
+            <a:ext cx="228600" cy="442913"/>
+          </a:xfrm>
+          <a:prstGeom prst="downArrow">
+            <a:avLst/>
+          </a:prstGeom>
+        </p:spPr>
+        <p:style>
+          <a:lnRef idx="2">
+            <a:schemeClr val="accent1">
+              <a:shade val="50000"/>
+            </a:schemeClr>
+          </a:lnRef>
+          <a:fillRef idx="1">
+            <a:schemeClr val="accent1"/>
+          </a:fillRef>
+          <a:effectRef idx="0">
+            <a:schemeClr val="accent1"/>
+          </a:effectRef>
+          <a:fontRef idx="minor">
+            <a:schemeClr val="lt1"/>
+          </a:fontRef>
+        </p:style>
+        <p:txBody>
+          <a:bodyPr rtlCol="0" anchor="ctr"/>
+          <a:lstStyle/>
+          <a:p>
+            <a:pPr algn="ctr"/>
+            <a:endParaRPr lang="en-US"/>
+          </a:p>
+        </p:txBody>
+      </p:sp>
+      <p:sp>
+        <p:nvSpPr>
+          <p:cNvPr id="9" name="TextBox 8">
+            <a:extLst>
+              <a:ext uri="{FF2B5EF4-FFF2-40B4-BE49-F238E27FC236}">
+                <a16:creationId xmlns:a16="http://schemas.microsoft.com/office/drawing/2014/main" id="{8CDD649C-DCBD-6949-B0A8-8D1F5A28A6F2}"/>
+              </a:ext>
+            </a:extLst>
+          </p:cNvPr>
+          <p:cNvSpPr txBox="1"/>
+          <p:nvPr/>
+        </p:nvSpPr>
+        <p:spPr>
+          <a:xfrm>
+            <a:off x="7893264" y="5842298"/>
+            <a:ext cx="3362325" cy="923330"/>
+          </a:xfrm>
+          <a:prstGeom prst="rect">
+            <a:avLst/>
+          </a:prstGeom>
+          <a:noFill/>
+        </p:spPr>
+        <p:txBody>
+          <a:bodyPr wrap="square" rtlCol="0">
+            <a:spAutoFit/>
+          </a:bodyPr>
+          <a:lstStyle/>
+          <a:p>
+            <a:r>
+              <a:rPr lang="en-US" b="1" dirty="0">
+                <a:solidFill>
+                  <a:srgbClr val="002291"/>
+                </a:solidFill>
+              </a:rPr>
+              <a:t>Java needs to know length of array and can infer that from</a:t>
+            </a:r>
+          </a:p>
+          <a:p>
+            <a:r>
+              <a:rPr lang="en-US" b="1" dirty="0">
+                <a:solidFill>
+                  <a:schemeClr val="bg1"/>
+                </a:solidFill>
+              </a:rPr>
+              <a:t>int[] </a:t>
+            </a:r>
+            <a:r>
+              <a:rPr lang="en-US" b="1" dirty="0" err="1">
+                <a:solidFill>
+                  <a:schemeClr val="bg1"/>
+                </a:solidFill>
+              </a:rPr>
+              <a:t>arr</a:t>
+            </a:r>
+            <a:r>
+              <a:rPr lang="en-US" b="1" dirty="0">
+                <a:solidFill>
+                  <a:schemeClr val="bg1"/>
+                </a:solidFill>
+              </a:rPr>
+              <a:t> = {5,7,9};</a:t>
+            </a:r>
+            <a:endParaRPr lang="en-US" dirty="0">
+              <a:solidFill>
+                <a:schemeClr val="bg1"/>
+              </a:solidFill>
+            </a:endParaRPr>
+          </a:p>
+        </p:txBody>
+      </p:sp>
+    </p:spTree>
+    <p:extLst>
+      <p:ext uri="{BB962C8B-B14F-4D97-AF65-F5344CB8AC3E}">
+        <p14:creationId xmlns:p14="http://schemas.microsoft.com/office/powerpoint/2010/main" val="2325228544"/>
+      </p:ext>
+    </p:extLst>
+  </p:cSld>
+  <p:clrMapOvr>
+    <a:masterClrMapping/>
+  </p:clrMapOvr>
+</p:sld>
+</file>
+
 <file path=ppt/slides/slide3.xml><?xml version="1.0" encoding="utf-8"?>
 <p:sld xmlns:a="http://schemas.openxmlformats.org/drawingml/2006/main" xmlns:r="http://schemas.openxmlformats.org/officeDocument/2006/relationships" xmlns:p="http://schemas.openxmlformats.org/presentationml/2006/main">
   <p:cSld>

--- a/PowerPoints/Java Objects.pptx
+++ b/PowerPoints/Java Objects.pptx
@@ -6826,24 +6826,14 @@
               <a:t> </a:t>
             </a:r>
             <a:r>
-              <a:rPr lang="en-US" sz="1600" u="sng" dirty="0">
-                <a:solidFill>
-                  <a:schemeClr val="bg1"/>
-                </a:solidFill>
-                <a:effectLst/>
-                <a:latin typeface="Menlo" panose="020B0609030804020204" pitchFamily="49" charset="0"/>
-              </a:rPr>
-              <a:t>x</a:t>
-            </a:r>
-            <a:r>
-              <a:rPr lang="en-US" sz="1600" dirty="0">
-                <a:solidFill>
-                  <a:schemeClr val="bg1"/>
-                </a:solidFill>
-                <a:effectLst/>
-                <a:latin typeface="Menlo" panose="020B0609030804020204" pitchFamily="49" charset="0"/>
-              </a:rPr>
-              <a:t> = 10;</a:t>
+              <a:rPr lang="en-US" sz="1600" dirty="0">
+                <a:solidFill>
+                  <a:schemeClr val="bg1"/>
+                </a:solidFill>
+                <a:effectLst/>
+                <a:latin typeface="Menlo" panose="020B0609030804020204" pitchFamily="49" charset="0"/>
+              </a:rPr>
+              <a:t>x = 10;</a:t>
             </a:r>
           </a:p>
           <a:p>
@@ -7620,24 +7610,14 @@
               <a:t> </a:t>
             </a:r>
             <a:r>
-              <a:rPr lang="en-US" sz="1600" u="sng" dirty="0">
-                <a:solidFill>
-                  <a:schemeClr val="bg1"/>
-                </a:solidFill>
-                <a:effectLst/>
-                <a:latin typeface="Menlo" panose="020B0609030804020204" pitchFamily="49" charset="0"/>
-              </a:rPr>
-              <a:t>x</a:t>
-            </a:r>
-            <a:r>
-              <a:rPr lang="en-US" sz="1600" dirty="0">
-                <a:solidFill>
-                  <a:schemeClr val="bg1"/>
-                </a:solidFill>
-                <a:effectLst/>
-                <a:latin typeface="Menlo" panose="020B0609030804020204" pitchFamily="49" charset="0"/>
-              </a:rPr>
-              <a:t> = 10;</a:t>
+              <a:rPr lang="en-US" sz="1600" dirty="0">
+                <a:solidFill>
+                  <a:schemeClr val="bg1"/>
+                </a:solidFill>
+                <a:effectLst/>
+                <a:latin typeface="Menlo" panose="020B0609030804020204" pitchFamily="49" charset="0"/>
+              </a:rPr>
+              <a:t>x = 10;</a:t>
             </a:r>
           </a:p>
           <a:p>
@@ -8450,24 +8430,14 @@
               <a:t> </a:t>
             </a:r>
             <a:r>
-              <a:rPr lang="en-US" sz="1600" u="sng" dirty="0">
-                <a:solidFill>
-                  <a:schemeClr val="bg1"/>
-                </a:solidFill>
-                <a:effectLst/>
-                <a:latin typeface="Menlo" panose="020B0609030804020204" pitchFamily="49" charset="0"/>
-              </a:rPr>
-              <a:t>x</a:t>
-            </a:r>
-            <a:r>
-              <a:rPr lang="en-US" sz="1600" dirty="0">
-                <a:solidFill>
-                  <a:schemeClr val="bg1"/>
-                </a:solidFill>
-                <a:effectLst/>
-                <a:latin typeface="Menlo" panose="020B0609030804020204" pitchFamily="49" charset="0"/>
-              </a:rPr>
-              <a:t> = 10;</a:t>
+              <a:rPr lang="en-US" sz="1600" dirty="0">
+                <a:solidFill>
+                  <a:schemeClr val="bg1"/>
+                </a:solidFill>
+                <a:effectLst/>
+                <a:latin typeface="Menlo" panose="020B0609030804020204" pitchFamily="49" charset="0"/>
+              </a:rPr>
+              <a:t>x = 10;</a:t>
             </a:r>
           </a:p>
           <a:p>
@@ -12103,24 +12073,14 @@
               <a:t> </a:t>
             </a:r>
             <a:r>
-              <a:rPr lang="en-US" sz="1600" u="sng" dirty="0">
-                <a:solidFill>
-                  <a:schemeClr val="bg1"/>
-                </a:solidFill>
-                <a:effectLst/>
-                <a:latin typeface="Menlo" panose="020B0609030804020204" pitchFamily="49" charset="0"/>
-              </a:rPr>
-              <a:t>x</a:t>
-            </a:r>
-            <a:r>
-              <a:rPr lang="en-US" sz="1600" dirty="0">
-                <a:solidFill>
-                  <a:schemeClr val="bg1"/>
-                </a:solidFill>
-                <a:effectLst/>
-                <a:latin typeface="Menlo" panose="020B0609030804020204" pitchFamily="49" charset="0"/>
-              </a:rPr>
-              <a:t> = 10;</a:t>
+              <a:rPr lang="en-US" sz="1600" dirty="0">
+                <a:solidFill>
+                  <a:schemeClr val="bg1"/>
+                </a:solidFill>
+                <a:effectLst/>
+                <a:latin typeface="Menlo" panose="020B0609030804020204" pitchFamily="49" charset="0"/>
+              </a:rPr>
+              <a:t>x = 10;</a:t>
             </a:r>
           </a:p>
           <a:p>
@@ -15387,24 +15347,14 @@
               <a:t> </a:t>
             </a:r>
             <a:r>
-              <a:rPr lang="en-US" sz="1600" u="sng" dirty="0">
-                <a:solidFill>
-                  <a:schemeClr val="bg1"/>
-                </a:solidFill>
-                <a:effectLst/>
-                <a:latin typeface="Menlo" panose="020B0609030804020204" pitchFamily="49" charset="0"/>
-              </a:rPr>
-              <a:t>x</a:t>
-            </a:r>
-            <a:r>
-              <a:rPr lang="en-US" sz="1600" dirty="0">
-                <a:solidFill>
-                  <a:schemeClr val="bg1"/>
-                </a:solidFill>
-                <a:effectLst/>
-                <a:latin typeface="Menlo" panose="020B0609030804020204" pitchFamily="49" charset="0"/>
-              </a:rPr>
-              <a:t> = 10;</a:t>
+              <a:rPr lang="en-US" sz="1600" dirty="0">
+                <a:solidFill>
+                  <a:schemeClr val="bg1"/>
+                </a:solidFill>
+                <a:effectLst/>
+                <a:latin typeface="Menlo" panose="020B0609030804020204" pitchFamily="49" charset="0"/>
+              </a:rPr>
+              <a:t>x = 10;</a:t>
             </a:r>
           </a:p>
           <a:p>
@@ -16122,24 +16072,14 @@
               <a:t> </a:t>
             </a:r>
             <a:r>
-              <a:rPr lang="en-US" sz="1600" u="sng" dirty="0">
-                <a:solidFill>
-                  <a:schemeClr val="bg1"/>
-                </a:solidFill>
-                <a:effectLst/>
-                <a:latin typeface="Menlo" panose="020B0609030804020204" pitchFamily="49" charset="0"/>
-              </a:rPr>
-              <a:t>x</a:t>
-            </a:r>
-            <a:r>
-              <a:rPr lang="en-US" sz="1600" dirty="0">
-                <a:solidFill>
-                  <a:schemeClr val="bg1"/>
-                </a:solidFill>
-                <a:effectLst/>
-                <a:latin typeface="Menlo" panose="020B0609030804020204" pitchFamily="49" charset="0"/>
-              </a:rPr>
-              <a:t> = 10;</a:t>
+              <a:rPr lang="en-US" sz="1600" dirty="0">
+                <a:solidFill>
+                  <a:schemeClr val="bg1"/>
+                </a:solidFill>
+                <a:effectLst/>
+                <a:latin typeface="Menlo" panose="020B0609030804020204" pitchFamily="49" charset="0"/>
+              </a:rPr>
+              <a:t>x = 10;</a:t>
             </a:r>
           </a:p>
           <a:p>
@@ -16879,24 +16819,14 @@
               <a:t> </a:t>
             </a:r>
             <a:r>
-              <a:rPr lang="en-US" sz="1600" u="sng" dirty="0">
-                <a:solidFill>
-                  <a:schemeClr val="bg1"/>
-                </a:solidFill>
-                <a:effectLst/>
-                <a:latin typeface="Menlo" panose="020B0609030804020204" pitchFamily="49" charset="0"/>
-              </a:rPr>
-              <a:t>x</a:t>
-            </a:r>
-            <a:r>
-              <a:rPr lang="en-US" sz="1600" dirty="0">
-                <a:solidFill>
-                  <a:schemeClr val="bg1"/>
-                </a:solidFill>
-                <a:effectLst/>
-                <a:latin typeface="Menlo" panose="020B0609030804020204" pitchFamily="49" charset="0"/>
-              </a:rPr>
-              <a:t> = 10;</a:t>
+              <a:rPr lang="en-US" sz="1600" dirty="0">
+                <a:solidFill>
+                  <a:schemeClr val="bg1"/>
+                </a:solidFill>
+                <a:effectLst/>
+                <a:latin typeface="Menlo" panose="020B0609030804020204" pitchFamily="49" charset="0"/>
+              </a:rPr>
+              <a:t>x = 10;</a:t>
             </a:r>
           </a:p>
           <a:p>
@@ -17636,24 +17566,14 @@
               <a:t> </a:t>
             </a:r>
             <a:r>
-              <a:rPr lang="en-US" sz="1600" u="sng" dirty="0">
-                <a:solidFill>
-                  <a:schemeClr val="bg1"/>
-                </a:solidFill>
-                <a:effectLst/>
-                <a:latin typeface="Menlo" panose="020B0609030804020204" pitchFamily="49" charset="0"/>
-              </a:rPr>
-              <a:t>x</a:t>
-            </a:r>
-            <a:r>
-              <a:rPr lang="en-US" sz="1600" dirty="0">
-                <a:solidFill>
-                  <a:schemeClr val="bg1"/>
-                </a:solidFill>
-                <a:effectLst/>
-                <a:latin typeface="Menlo" panose="020B0609030804020204" pitchFamily="49" charset="0"/>
-              </a:rPr>
-              <a:t> = 10;</a:t>
+              <a:rPr lang="en-US" sz="1600" dirty="0">
+                <a:solidFill>
+                  <a:schemeClr val="bg1"/>
+                </a:solidFill>
+                <a:effectLst/>
+                <a:latin typeface="Menlo" panose="020B0609030804020204" pitchFamily="49" charset="0"/>
+              </a:rPr>
+              <a:t>x = 10;</a:t>
             </a:r>
           </a:p>
           <a:p>
@@ -18387,24 +18307,14 @@
               <a:t> </a:t>
             </a:r>
             <a:r>
-              <a:rPr lang="en-US" sz="1600" u="sng" dirty="0">
-                <a:solidFill>
-                  <a:schemeClr val="bg1"/>
-                </a:solidFill>
-                <a:effectLst/>
-                <a:latin typeface="Menlo" panose="020B0609030804020204" pitchFamily="49" charset="0"/>
-              </a:rPr>
-              <a:t>x</a:t>
-            </a:r>
-            <a:r>
-              <a:rPr lang="en-US" sz="1600" dirty="0">
-                <a:solidFill>
-                  <a:schemeClr val="bg1"/>
-                </a:solidFill>
-                <a:effectLst/>
-                <a:latin typeface="Menlo" panose="020B0609030804020204" pitchFamily="49" charset="0"/>
-              </a:rPr>
-              <a:t> = 10;</a:t>
+              <a:rPr lang="en-US" sz="1600" dirty="0">
+                <a:solidFill>
+                  <a:schemeClr val="bg1"/>
+                </a:solidFill>
+                <a:effectLst/>
+                <a:latin typeface="Menlo" panose="020B0609030804020204" pitchFamily="49" charset="0"/>
+              </a:rPr>
+              <a:t>x = 10;</a:t>
             </a:r>
           </a:p>
           <a:p>
@@ -19208,24 +19118,14 @@
               <a:t> </a:t>
             </a:r>
             <a:r>
-              <a:rPr lang="en-US" sz="1600" u="sng" dirty="0">
-                <a:solidFill>
-                  <a:schemeClr val="bg1"/>
-                </a:solidFill>
-                <a:effectLst/>
-                <a:latin typeface="Menlo" panose="020B0609030804020204" pitchFamily="49" charset="0"/>
-              </a:rPr>
-              <a:t>x</a:t>
-            </a:r>
-            <a:r>
-              <a:rPr lang="en-US" sz="1600" dirty="0">
-                <a:solidFill>
-                  <a:schemeClr val="bg1"/>
-                </a:solidFill>
-                <a:effectLst/>
-                <a:latin typeface="Menlo" panose="020B0609030804020204" pitchFamily="49" charset="0"/>
-              </a:rPr>
-              <a:t> = 10;</a:t>
+              <a:rPr lang="en-US" sz="1600" dirty="0">
+                <a:solidFill>
+                  <a:schemeClr val="bg1"/>
+                </a:solidFill>
+                <a:effectLst/>
+                <a:latin typeface="Menlo" panose="020B0609030804020204" pitchFamily="49" charset="0"/>
+              </a:rPr>
+              <a:t>x = 10;</a:t>
             </a:r>
           </a:p>
           <a:p>
@@ -20182,24 +20082,14 @@
               <a:t> </a:t>
             </a:r>
             <a:r>
-              <a:rPr lang="en-US" sz="1600" u="sng" dirty="0">
-                <a:solidFill>
-                  <a:schemeClr val="bg1"/>
-                </a:solidFill>
-                <a:effectLst/>
-                <a:latin typeface="Menlo" panose="020B0609030804020204" pitchFamily="49" charset="0"/>
-              </a:rPr>
-              <a:t>x</a:t>
-            </a:r>
-            <a:r>
-              <a:rPr lang="en-US" sz="1600" dirty="0">
-                <a:solidFill>
-                  <a:schemeClr val="bg1"/>
-                </a:solidFill>
-                <a:effectLst/>
-                <a:latin typeface="Menlo" panose="020B0609030804020204" pitchFamily="49" charset="0"/>
-              </a:rPr>
-              <a:t> = 10;</a:t>
+              <a:rPr lang="en-US" sz="1600" dirty="0">
+                <a:solidFill>
+                  <a:schemeClr val="bg1"/>
+                </a:solidFill>
+                <a:effectLst/>
+                <a:latin typeface="Menlo" panose="020B0609030804020204" pitchFamily="49" charset="0"/>
+              </a:rPr>
+              <a:t>x = 10;</a:t>
             </a:r>
           </a:p>
           <a:p>

--- a/PowerPoints/Java Objects.pptx
+++ b/PowerPoints/Java Objects.pptx
@@ -294,7 +294,7 @@
           <a:p>
             <a:fld id="{64F0E216-BA48-4F04-AC4F-645AA0DD6AC6}" type="datetimeFigureOut">
               <a:rPr lang="en-US" smtClean="0"/>
-              <a:t>10/19/21</a:t>
+              <a:t>5/23/22</a:t>
             </a:fld>
             <a:endParaRPr lang="en-US" dirty="0"/>
           </a:p>
@@ -1342,7 +1342,7 @@
           <a:p>
             <a:fld id="{64F0E216-BA48-4F04-AC4F-645AA0DD6AC6}" type="datetimeFigureOut">
               <a:rPr lang="en-US" smtClean="0"/>
-              <a:t>10/19/21</a:t>
+              <a:t>5/23/22</a:t>
             </a:fld>
             <a:endParaRPr lang="en-US"/>
           </a:p>
@@ -1578,7 +1578,7 @@
           <a:p>
             <a:fld id="{64F0E216-BA48-4F04-AC4F-645AA0DD6AC6}" type="datetimeFigureOut">
               <a:rPr lang="en-US" smtClean="0"/>
-              <a:t>10/19/21</a:t>
+              <a:t>5/23/22</a:t>
             </a:fld>
             <a:endParaRPr lang="en-US"/>
           </a:p>
@@ -1801,7 +1801,7 @@
           <a:p>
             <a:fld id="{64F0E216-BA48-4F04-AC4F-645AA0DD6AC6}" type="datetimeFigureOut">
               <a:rPr lang="en-US" smtClean="0"/>
-              <a:t>10/19/21</a:t>
+              <a:t>5/23/22</a:t>
             </a:fld>
             <a:endParaRPr lang="en-US"/>
           </a:p>
@@ -2103,7 +2103,7 @@
           <a:p>
             <a:fld id="{64F0E216-BA48-4F04-AC4F-645AA0DD6AC6}" type="datetimeFigureOut">
               <a:rPr lang="en-US" smtClean="0"/>
-              <a:t>10/19/21</a:t>
+              <a:t>5/23/22</a:t>
             </a:fld>
             <a:endParaRPr lang="en-US"/>
           </a:p>
@@ -3567,7 +3567,7 @@
           <a:p>
             <a:fld id="{64F0E216-BA48-4F04-AC4F-645AA0DD6AC6}" type="datetimeFigureOut">
               <a:rPr lang="en-US" smtClean="0"/>
-              <a:t>10/19/21</a:t>
+              <a:t>5/23/22</a:t>
             </a:fld>
             <a:endParaRPr lang="en-US"/>
           </a:p>
@@ -4034,7 +4034,7 @@
           <a:p>
             <a:fld id="{64F0E216-BA48-4F04-AC4F-645AA0DD6AC6}" type="datetimeFigureOut">
               <a:rPr lang="en-US" smtClean="0"/>
-              <a:t>10/19/21</a:t>
+              <a:t>5/23/22</a:t>
             </a:fld>
             <a:endParaRPr lang="en-US"/>
           </a:p>
@@ -4209,7 +4209,7 @@
           <a:p>
             <a:fld id="{64F0E216-BA48-4F04-AC4F-645AA0DD6AC6}" type="datetimeFigureOut">
               <a:rPr lang="en-US" smtClean="0"/>
-              <a:t>10/19/21</a:t>
+              <a:t>5/23/22</a:t>
             </a:fld>
             <a:endParaRPr lang="en-US"/>
           </a:p>
@@ -4346,7 +4346,7 @@
           <a:p>
             <a:fld id="{64F0E216-BA48-4F04-AC4F-645AA0DD6AC6}" type="datetimeFigureOut">
               <a:rPr lang="en-US" smtClean="0"/>
-              <a:t>10/19/21</a:t>
+              <a:t>5/23/22</a:t>
             </a:fld>
             <a:endParaRPr lang="en-US"/>
           </a:p>
@@ -4696,7 +4696,7 @@
           <a:p>
             <a:fld id="{64F0E216-BA48-4F04-AC4F-645AA0DD6AC6}" type="datetimeFigureOut">
               <a:rPr lang="en-US" smtClean="0"/>
-              <a:t>10/19/21</a:t>
+              <a:t>5/23/22</a:t>
             </a:fld>
             <a:endParaRPr lang="en-US"/>
           </a:p>
@@ -5017,7 +5017,7 @@
           <a:p>
             <a:fld id="{64F0E216-BA48-4F04-AC4F-645AA0DD6AC6}" type="datetimeFigureOut">
               <a:rPr lang="en-US" smtClean="0"/>
-              <a:t>10/19/21</a:t>
+              <a:t>5/23/22</a:t>
             </a:fld>
             <a:endParaRPr lang="en-US"/>
           </a:p>
@@ -5279,7 +5279,7 @@
             <a:fld id="{64F0E216-BA48-4F04-AC4F-645AA0DD6AC6}" type="datetimeFigureOut">
               <a:rPr lang="en-US" smtClean="0"/>
               <a:pPr/>
-              <a:t>10/19/21</a:t>
+              <a:t>5/23/22</a:t>
             </a:fld>
             <a:endParaRPr lang="en-US" dirty="0"/>
           </a:p>
@@ -9063,7 +9063,7 @@
           <p:nvPr>
             <p:extLst>
               <p:ext uri="{D42A27DB-BD31-4B8C-83A1-F6EECF244321}">
-                <p14:modId xmlns:p14="http://schemas.microsoft.com/office/powerpoint/2010/main" val="3371840563"/>
+                <p14:modId xmlns:p14="http://schemas.microsoft.com/office/powerpoint/2010/main" val="977952745"/>
               </p:ext>
             </p:extLst>
           </p:nvPr>
@@ -9285,7 +9285,7 @@
                     <a:p>
                       <a:r>
                         <a:rPr lang="en-US" b="1" dirty="0"/>
-                        <a:t>Each thread has 1 stack and they can’t share items in their stack with other threads</a:t>
+                        <a:t>Each thread has 1 stack, and they can’t share items in their stack with other threads</a:t>
                       </a:r>
                     </a:p>
                   </a:txBody>
